--- a/images/logo.pptx
+++ b/images/logo.pptx
@@ -6,6 +6,7 @@
   </p:sldMasterIdLst>
   <p:sldIdLst>
     <p:sldId id="256" r:id="rId2"/>
+    <p:sldId id="257" r:id="rId3"/>
   </p:sldIdLst>
   <p:sldSz cx="12192000" cy="6858000"/>
   <p:notesSz cx="6858000" cy="9144000"/>
@@ -261,7 +262,7 @@
           <a:p>
             <a:fld id="{514EA536-5193-E342-BFA4-FD62A407B8EB}" type="datetimeFigureOut">
               <a:rPr lang="en-KR" smtClean="0"/>
-              <a:t>2021/04/23</a:t>
+              <a:t>2021/04/24</a:t>
             </a:fld>
             <a:endParaRPr lang="en-KR"/>
           </a:p>
@@ -461,7 +462,7 @@
           <a:p>
             <a:fld id="{514EA536-5193-E342-BFA4-FD62A407B8EB}" type="datetimeFigureOut">
               <a:rPr lang="en-KR" smtClean="0"/>
-              <a:t>2021/04/23</a:t>
+              <a:t>2021/04/24</a:t>
             </a:fld>
             <a:endParaRPr lang="en-KR"/>
           </a:p>
@@ -671,7 +672,7 @@
           <a:p>
             <a:fld id="{514EA536-5193-E342-BFA4-FD62A407B8EB}" type="datetimeFigureOut">
               <a:rPr lang="en-KR" smtClean="0"/>
-              <a:t>2021/04/23</a:t>
+              <a:t>2021/04/24</a:t>
             </a:fld>
             <a:endParaRPr lang="en-KR"/>
           </a:p>
@@ -871,7 +872,7 @@
           <a:p>
             <a:fld id="{514EA536-5193-E342-BFA4-FD62A407B8EB}" type="datetimeFigureOut">
               <a:rPr lang="en-KR" smtClean="0"/>
-              <a:t>2021/04/23</a:t>
+              <a:t>2021/04/24</a:t>
             </a:fld>
             <a:endParaRPr lang="en-KR"/>
           </a:p>
@@ -1147,7 +1148,7 @@
           <a:p>
             <a:fld id="{514EA536-5193-E342-BFA4-FD62A407B8EB}" type="datetimeFigureOut">
               <a:rPr lang="en-KR" smtClean="0"/>
-              <a:t>2021/04/23</a:t>
+              <a:t>2021/04/24</a:t>
             </a:fld>
             <a:endParaRPr lang="en-KR"/>
           </a:p>
@@ -1415,7 +1416,7 @@
           <a:p>
             <a:fld id="{514EA536-5193-E342-BFA4-FD62A407B8EB}" type="datetimeFigureOut">
               <a:rPr lang="en-KR" smtClean="0"/>
-              <a:t>2021/04/23</a:t>
+              <a:t>2021/04/24</a:t>
             </a:fld>
             <a:endParaRPr lang="en-KR"/>
           </a:p>
@@ -1830,7 +1831,7 @@
           <a:p>
             <a:fld id="{514EA536-5193-E342-BFA4-FD62A407B8EB}" type="datetimeFigureOut">
               <a:rPr lang="en-KR" smtClean="0"/>
-              <a:t>2021/04/23</a:t>
+              <a:t>2021/04/24</a:t>
             </a:fld>
             <a:endParaRPr lang="en-KR"/>
           </a:p>
@@ -1972,7 +1973,7 @@
           <a:p>
             <a:fld id="{514EA536-5193-E342-BFA4-FD62A407B8EB}" type="datetimeFigureOut">
               <a:rPr lang="en-KR" smtClean="0"/>
-              <a:t>2021/04/23</a:t>
+              <a:t>2021/04/24</a:t>
             </a:fld>
             <a:endParaRPr lang="en-KR"/>
           </a:p>
@@ -2085,7 +2086,7 @@
           <a:p>
             <a:fld id="{514EA536-5193-E342-BFA4-FD62A407B8EB}" type="datetimeFigureOut">
               <a:rPr lang="en-KR" smtClean="0"/>
-              <a:t>2021/04/23</a:t>
+              <a:t>2021/04/24</a:t>
             </a:fld>
             <a:endParaRPr lang="en-KR"/>
           </a:p>
@@ -2398,7 +2399,7 @@
           <a:p>
             <a:fld id="{514EA536-5193-E342-BFA4-FD62A407B8EB}" type="datetimeFigureOut">
               <a:rPr lang="en-KR" smtClean="0"/>
-              <a:t>2021/04/23</a:t>
+              <a:t>2021/04/24</a:t>
             </a:fld>
             <a:endParaRPr lang="en-KR"/>
           </a:p>
@@ -2687,7 +2688,7 @@
           <a:p>
             <a:fld id="{514EA536-5193-E342-BFA4-FD62A407B8EB}" type="datetimeFigureOut">
               <a:rPr lang="en-KR" smtClean="0"/>
-              <a:t>2021/04/23</a:t>
+              <a:t>2021/04/24</a:t>
             </a:fld>
             <a:endParaRPr lang="en-KR"/>
           </a:p>
@@ -2930,7 +2931,7 @@
           <a:p>
             <a:fld id="{514EA536-5193-E342-BFA4-FD62A407B8EB}" type="datetimeFigureOut">
               <a:rPr lang="en-KR" smtClean="0"/>
-              <a:t>2021/04/23</a:t>
+              <a:t>2021/04/24</a:t>
             </a:fld>
             <a:endParaRPr lang="en-KR"/>
           </a:p>
@@ -3513,6 +3514,272 @@
 </p:sld>
 </file>
 
+<file path=ppt/slides/slide2.xml><?xml version="1.0" encoding="utf-8"?>
+<p:sld xmlns:a="http://schemas.openxmlformats.org/drawingml/2006/main" xmlns:r="http://schemas.openxmlformats.org/officeDocument/2006/relationships" xmlns:p="http://schemas.openxmlformats.org/presentationml/2006/main">
+  <p:cSld>
+    <p:spTree>
+      <p:nvGrpSpPr>
+        <p:cNvPr id="1" name=""/>
+        <p:cNvGrpSpPr/>
+        <p:nvPr/>
+      </p:nvGrpSpPr>
+      <p:grpSpPr>
+        <a:xfrm>
+          <a:off x="0" y="0"/>
+          <a:ext cx="0" cy="0"/>
+          <a:chOff x="0" y="0"/>
+          <a:chExt cx="0" cy="0"/>
+        </a:xfrm>
+      </p:grpSpPr>
+      <p:grpSp>
+        <p:nvGrpSpPr>
+          <p:cNvPr id="7" name="Group 6">
+            <a:extLst>
+              <a:ext uri="{FF2B5EF4-FFF2-40B4-BE49-F238E27FC236}">
+                <a16:creationId xmlns:a16="http://schemas.microsoft.com/office/drawing/2014/main" id="{5A7E5380-CCAF-D54E-8EA4-DDCEEEF38C88}"/>
+              </a:ext>
+            </a:extLst>
+          </p:cNvPr>
+          <p:cNvGrpSpPr/>
+          <p:nvPr/>
+        </p:nvGrpSpPr>
+        <p:grpSpPr>
+          <a:xfrm>
+            <a:off x="4089489" y="1040485"/>
+            <a:ext cx="4277509" cy="5212745"/>
+            <a:chOff x="4089489" y="1040485"/>
+            <a:chExt cx="4277509" cy="5212745"/>
+          </a:xfrm>
+        </p:grpSpPr>
+        <p:grpSp>
+          <p:nvGrpSpPr>
+            <p:cNvPr id="14" name="Group 13">
+              <a:extLst>
+                <a:ext uri="{FF2B5EF4-FFF2-40B4-BE49-F238E27FC236}">
+                  <a16:creationId xmlns:a16="http://schemas.microsoft.com/office/drawing/2014/main" id="{47858A60-3644-3C48-B173-E01D7201B5BA}"/>
+                </a:ext>
+              </a:extLst>
+            </p:cNvPr>
+            <p:cNvGrpSpPr/>
+            <p:nvPr/>
+          </p:nvGrpSpPr>
+          <p:grpSpPr>
+            <a:xfrm>
+              <a:off x="4292539" y="4822069"/>
+              <a:ext cx="4074459" cy="1431161"/>
+              <a:chOff x="4186518" y="4119318"/>
+              <a:chExt cx="4074459" cy="1431161"/>
+            </a:xfrm>
+          </p:grpSpPr>
+          <p:sp>
+            <p:nvSpPr>
+              <p:cNvPr id="10" name="TextBox 9">
+                <a:extLst>
+                  <a:ext uri="{FF2B5EF4-FFF2-40B4-BE49-F238E27FC236}">
+                    <a16:creationId xmlns:a16="http://schemas.microsoft.com/office/drawing/2014/main" id="{FE3FBB32-2BE0-4A4C-B502-8FAC88D11D63}"/>
+                  </a:ext>
+                </a:extLst>
+              </p:cNvPr>
+              <p:cNvSpPr txBox="1"/>
+              <p:nvPr/>
+            </p:nvSpPr>
+            <p:spPr>
+              <a:xfrm>
+                <a:off x="4186518" y="4119318"/>
+                <a:ext cx="4074459" cy="923330"/>
+              </a:xfrm>
+              <a:prstGeom prst="rect">
+                <a:avLst/>
+              </a:prstGeom>
+              <a:noFill/>
+            </p:spPr>
+            <p:txBody>
+              <a:bodyPr wrap="square" rtlCol="0">
+                <a:spAutoFit/>
+              </a:bodyPr>
+              <a:lstStyle/>
+              <a:p>
+                <a:pPr algn="ctr"/>
+                <a:r>
+                  <a:rPr lang="en-US" sz="5400" b="1" dirty="0"/>
+                  <a:t>SUSINSA</a:t>
+                </a:r>
+                <a:endParaRPr lang="en-KR" sz="5400" b="1" dirty="0"/>
+              </a:p>
+            </p:txBody>
+          </p:sp>
+          <p:sp>
+            <p:nvSpPr>
+              <p:cNvPr id="12" name="TextBox 11">
+                <a:extLst>
+                  <a:ext uri="{FF2B5EF4-FFF2-40B4-BE49-F238E27FC236}">
+                    <a16:creationId xmlns:a16="http://schemas.microsoft.com/office/drawing/2014/main" id="{0BAECB6E-47CB-1545-B6C2-A41A3A1DD561}"/>
+                  </a:ext>
+                </a:extLst>
+              </p:cNvPr>
+              <p:cNvSpPr txBox="1"/>
+              <p:nvPr/>
+            </p:nvSpPr>
+            <p:spPr>
+              <a:xfrm>
+                <a:off x="5040966" y="4534816"/>
+                <a:ext cx="2365562" cy="1015663"/>
+              </a:xfrm>
+              <a:prstGeom prst="rect">
+                <a:avLst/>
+              </a:prstGeom>
+              <a:noFill/>
+            </p:spPr>
+            <p:txBody>
+              <a:bodyPr wrap="square" rtlCol="0">
+                <a:spAutoFit/>
+              </a:bodyPr>
+              <a:lstStyle/>
+              <a:p>
+                <a:pPr algn="ctr"/>
+                <a:r>
+                  <a:rPr lang="en-US" sz="6000" spc="300" dirty="0">
+                    <a:latin typeface="Kunstler Script" panose="020F0502020204030204" pitchFamily="34" charset="0"/>
+                    <a:cs typeface="Kunstler Script" panose="020F0502020204030204" pitchFamily="34" charset="0"/>
+                  </a:rPr>
+                  <a:t>s</a:t>
+                </a:r>
+                <a:r>
+                  <a:rPr lang="en-KR" sz="4800" spc="300" dirty="0">
+                    <a:latin typeface="Kunstler Script" panose="020F0502020204030204" pitchFamily="34" charset="0"/>
+                    <a:cs typeface="Kunstler Script" panose="020F0502020204030204" pitchFamily="34" charset="0"/>
+                  </a:rPr>
+                  <a:t>ince</a:t>
+                </a:r>
+                <a:r>
+                  <a:rPr lang="en-KR" sz="6000" spc="300" dirty="0">
+                    <a:latin typeface="Kunstler Script" panose="020F0502020204030204" pitchFamily="34" charset="0"/>
+                    <a:cs typeface="Kunstler Script" panose="020F0502020204030204" pitchFamily="34" charset="0"/>
+                  </a:rPr>
+                  <a:t> </a:t>
+                </a:r>
+                <a:r>
+                  <a:rPr lang="en-KR" sz="4800" spc="300" dirty="0">
+                    <a:latin typeface="Kunstler Script" panose="020F0502020204030204" pitchFamily="34" charset="0"/>
+                    <a:cs typeface="Kunstler Script" panose="020F0502020204030204" pitchFamily="34" charset="0"/>
+                  </a:rPr>
+                  <a:t>2021</a:t>
+                </a:r>
+                <a:endParaRPr lang="en-KR" sz="6000" spc="300" dirty="0">
+                  <a:latin typeface="Kunstler Script" panose="020F0502020204030204" pitchFamily="34" charset="0"/>
+                  <a:cs typeface="Kunstler Script" panose="020F0502020204030204" pitchFamily="34" charset="0"/>
+                </a:endParaRPr>
+              </a:p>
+            </p:txBody>
+          </p:sp>
+        </p:grpSp>
+        <p:grpSp>
+          <p:nvGrpSpPr>
+            <p:cNvPr id="6" name="Group 5">
+              <a:extLst>
+                <a:ext uri="{FF2B5EF4-FFF2-40B4-BE49-F238E27FC236}">
+                  <a16:creationId xmlns:a16="http://schemas.microsoft.com/office/drawing/2014/main" id="{01784FBB-99C8-DF47-B5B5-E57766DDE708}"/>
+                </a:ext>
+              </a:extLst>
+            </p:cNvPr>
+            <p:cNvGrpSpPr/>
+            <p:nvPr/>
+          </p:nvGrpSpPr>
+          <p:grpSpPr>
+            <a:xfrm>
+              <a:off x="4089489" y="1040485"/>
+              <a:ext cx="4151193" cy="4151193"/>
+              <a:chOff x="8202316" y="1548316"/>
+              <a:chExt cx="4151193" cy="4151193"/>
+            </a:xfrm>
+          </p:grpSpPr>
+          <p:pic>
+            <p:nvPicPr>
+              <p:cNvPr id="3" name="Graphic 2" descr="Eye with solid fill">
+                <a:extLst>
+                  <a:ext uri="{FF2B5EF4-FFF2-40B4-BE49-F238E27FC236}">
+                    <a16:creationId xmlns:a16="http://schemas.microsoft.com/office/drawing/2014/main" id="{D88B4977-400B-544C-969E-EE225E7E21EF}"/>
+                  </a:ext>
+                </a:extLst>
+              </p:cNvPr>
+              <p:cNvPicPr>
+                <a:picLocks noChangeAspect="1"/>
+              </p:cNvPicPr>
+              <p:nvPr/>
+            </p:nvPicPr>
+            <p:blipFill>
+              <a:blip r:embed="rId2">
+                <a:extLst>
+                  <a:ext uri="{96DAC541-7B7A-43D3-8B79-37D633B846F1}">
+                    <asvg:svgBlip xmlns:asvg="http://schemas.microsoft.com/office/drawing/2016/SVG/main" r:embed="rId3"/>
+                  </a:ext>
+                </a:extLst>
+              </a:blip>
+              <a:stretch>
+                <a:fillRect/>
+              </a:stretch>
+            </p:blipFill>
+            <p:spPr>
+              <a:xfrm>
+                <a:off x="9653313" y="3429000"/>
+                <a:ext cx="1578567" cy="1578567"/>
+              </a:xfrm>
+              <a:prstGeom prst="rect">
+                <a:avLst/>
+              </a:prstGeom>
+            </p:spPr>
+          </p:pic>
+          <p:pic>
+            <p:nvPicPr>
+              <p:cNvPr id="5" name="Graphic 4" descr="Hand outline">
+                <a:extLst>
+                  <a:ext uri="{FF2B5EF4-FFF2-40B4-BE49-F238E27FC236}">
+                    <a16:creationId xmlns:a16="http://schemas.microsoft.com/office/drawing/2014/main" id="{93F654AC-9064-CF42-9A5E-B1730D902A97}"/>
+                  </a:ext>
+                </a:extLst>
+              </p:cNvPr>
+              <p:cNvPicPr>
+                <a:picLocks noChangeAspect="1"/>
+              </p:cNvPicPr>
+              <p:nvPr/>
+            </p:nvPicPr>
+            <p:blipFill>
+              <a:blip r:embed="rId4">
+                <a:extLst>
+                  <a:ext uri="{96DAC541-7B7A-43D3-8B79-37D633B846F1}">
+                    <asvg:svgBlip xmlns:asvg="http://schemas.microsoft.com/office/drawing/2016/SVG/main" r:embed="rId5"/>
+                  </a:ext>
+                </a:extLst>
+              </a:blip>
+              <a:stretch>
+                <a:fillRect/>
+              </a:stretch>
+            </p:blipFill>
+            <p:spPr>
+              <a:xfrm>
+                <a:off x="8202316" y="1548316"/>
+                <a:ext cx="4151193" cy="4151193"/>
+              </a:xfrm>
+              <a:prstGeom prst="rect">
+                <a:avLst/>
+              </a:prstGeom>
+            </p:spPr>
+          </p:pic>
+        </p:grpSp>
+      </p:grpSp>
+    </p:spTree>
+    <p:extLst>
+      <p:ext uri="{BB962C8B-B14F-4D97-AF65-F5344CB8AC3E}">
+        <p14:creationId xmlns:p14="http://schemas.microsoft.com/office/powerpoint/2010/main" val="3933483297"/>
+      </p:ext>
+    </p:extLst>
+  </p:cSld>
+  <p:clrMapOvr>
+    <a:masterClrMapping/>
+  </p:clrMapOvr>
+</p:sld>
+</file>
+
 <file path=ppt/theme/theme1.xml><?xml version="1.0" encoding="utf-8"?>
 <a:theme xmlns:a="http://schemas.openxmlformats.org/drawingml/2006/main" name="Office Theme">
   <a:themeElements>
